--- a/基础PPT/Java并发基础.pptx
+++ b/基础PPT/Java并发基础.pptx
@@ -11657,6 +11657,152 @@
         <p:nvPr/>
       </p:nvGrpSpPr>
       <p:grpSpPr/>
+      <p:sp>
+        <p:nvSpPr>
+          <p:cNvPr id="2" name="文本框 1"/>
+          <p:cNvSpPr txBox="1"/>
+          <p:nvPr/>
+        </p:nvSpPr>
+        <p:spPr>
+          <a:xfrm>
+            <a:off x="120650" y="773430"/>
+            <a:ext cx="11931015" cy="2306955"/>
+          </a:xfrm>
+          <a:prstGeom prst="rect">
+            <a:avLst/>
+          </a:prstGeom>
+          <a:noFill/>
+        </p:spPr>
+        <p:txBody>
+          <a:bodyPr wrap="square" rtlCol="0">
+            <a:spAutoFit/>
+          </a:bodyPr>
+          <a:p>
+            <a:r>
+              <a:rPr lang="en-US" altLang="zh-CN" sz="1600">
+                <a:latin typeface="宋体" panose="02010600030101010101" pitchFamily="2" charset="-122"/>
+                <a:ea typeface="宋体" panose="02010600030101010101" pitchFamily="2" charset="-122"/>
+                <a:cs typeface="宋体" panose="02010600030101010101" pitchFamily="2" charset="-122"/>
+              </a:rPr>
+              <a:t>Java </a:t>
+            </a:r>
+            <a:r>
+              <a:rPr lang="zh-CN" altLang="en-US" sz="1600">
+                <a:latin typeface="宋体" panose="02010600030101010101" pitchFamily="2" charset="-122"/>
+                <a:ea typeface="宋体" panose="02010600030101010101" pitchFamily="2" charset="-122"/>
+                <a:cs typeface="宋体" panose="02010600030101010101" pitchFamily="2" charset="-122"/>
+              </a:rPr>
+              <a:t>用户线程、守护线程</a:t>
+            </a:r>
+            <a:endParaRPr lang="zh-CN" altLang="en-US" sz="1600">
+              <a:latin typeface="宋体" panose="02010600030101010101" pitchFamily="2" charset="-122"/>
+              <a:ea typeface="宋体" panose="02010600030101010101" pitchFamily="2" charset="-122"/>
+              <a:cs typeface="宋体" panose="02010600030101010101" pitchFamily="2" charset="-122"/>
+            </a:endParaRPr>
+          </a:p>
+          <a:p>
+            <a:endParaRPr lang="zh-CN" altLang="en-US" sz="1600">
+              <a:latin typeface="宋体" panose="02010600030101010101" pitchFamily="2" charset="-122"/>
+              <a:ea typeface="宋体" panose="02010600030101010101" pitchFamily="2" charset="-122"/>
+              <a:cs typeface="宋体" panose="02010600030101010101" pitchFamily="2" charset="-122"/>
+            </a:endParaRPr>
+          </a:p>
+          <a:p>
+            <a:r>
+              <a:rPr lang="zh-CN" altLang="en-US" sz="1600">
+                <a:latin typeface="宋体" panose="02010600030101010101" pitchFamily="2" charset="-122"/>
+                <a:ea typeface="宋体" panose="02010600030101010101" pitchFamily="2" charset="-122"/>
+                <a:cs typeface="宋体" panose="02010600030101010101" pitchFamily="2" charset="-122"/>
+              </a:rPr>
+              <a:t>任何线程都可以设置为守护线程和用户线程，通过方法Thread.setDaemon(bool on)；true则把该线程设置为守护线程，反之则为用户线程。Thread.setDaemon()必须在Thread.start()之前调用，否则运行时会抛出异常。</a:t>
+            </a:r>
+            <a:endParaRPr lang="zh-CN" altLang="en-US" sz="1600">
+              <a:latin typeface="宋体" panose="02010600030101010101" pitchFamily="2" charset="-122"/>
+              <a:ea typeface="宋体" panose="02010600030101010101" pitchFamily="2" charset="-122"/>
+              <a:cs typeface="宋体" panose="02010600030101010101" pitchFamily="2" charset="-122"/>
+            </a:endParaRPr>
+          </a:p>
+          <a:p>
+            <a:endParaRPr lang="zh-CN" altLang="en-US" sz="1600">
+              <a:latin typeface="宋体" panose="02010600030101010101" pitchFamily="2" charset="-122"/>
+              <a:ea typeface="宋体" panose="02010600030101010101" pitchFamily="2" charset="-122"/>
+              <a:cs typeface="宋体" panose="02010600030101010101" pitchFamily="2" charset="-122"/>
+            </a:endParaRPr>
+          </a:p>
+          <a:p>
+            <a:r>
+              <a:rPr lang="zh-CN" altLang="en-US" sz="1600">
+                <a:latin typeface="宋体" panose="02010600030101010101" pitchFamily="2" charset="-122"/>
+                <a:ea typeface="宋体" panose="02010600030101010101" pitchFamily="2" charset="-122"/>
+                <a:cs typeface="宋体" panose="02010600030101010101" pitchFamily="2" charset="-122"/>
+                <a:sym typeface="+mn-ea"/>
+              </a:rPr>
+              <a:t>用户线程是独立存在的，不会因为其他用户线程退出而退出。</a:t>
+            </a:r>
+            <a:endParaRPr lang="zh-CN" altLang="en-US" sz="1600">
+              <a:latin typeface="宋体" panose="02010600030101010101" pitchFamily="2" charset="-122"/>
+              <a:ea typeface="宋体" panose="02010600030101010101" pitchFamily="2" charset="-122"/>
+              <a:cs typeface="宋体" panose="02010600030101010101" pitchFamily="2" charset="-122"/>
+            </a:endParaRPr>
+          </a:p>
+          <a:p>
+            <a:r>
+              <a:rPr lang="zh-CN" altLang="en-US" sz="1600">
+                <a:latin typeface="宋体" panose="02010600030101010101" pitchFamily="2" charset="-122"/>
+                <a:ea typeface="宋体" panose="02010600030101010101" pitchFamily="2" charset="-122"/>
+                <a:cs typeface="宋体" panose="02010600030101010101" pitchFamily="2" charset="-122"/>
+              </a:rPr>
+              <a:t>守护线程是依赖于用户线程，用户线程退出了，守护线程也就会退出，典型的守护线程如垃圾回收线程。</a:t>
+            </a:r>
+            <a:endParaRPr lang="zh-CN" altLang="en-US" sz="1600">
+              <a:latin typeface="宋体" panose="02010600030101010101" pitchFamily="2" charset="-122"/>
+              <a:ea typeface="宋体" panose="02010600030101010101" pitchFamily="2" charset="-122"/>
+              <a:cs typeface="宋体" panose="02010600030101010101" pitchFamily="2" charset="-122"/>
+            </a:endParaRPr>
+          </a:p>
+          <a:p>
+            <a:endParaRPr lang="zh-CN" altLang="en-US" sz="1600">
+              <a:latin typeface="宋体" panose="02010600030101010101" pitchFamily="2" charset="-122"/>
+              <a:ea typeface="宋体" panose="02010600030101010101" pitchFamily="2" charset="-122"/>
+              <a:cs typeface="宋体" panose="02010600030101010101" pitchFamily="2" charset="-122"/>
+            </a:endParaRPr>
+          </a:p>
+          <a:p>
+            <a:r>
+              <a:rPr lang="zh-CN" altLang="en-US" sz="1600">
+                <a:latin typeface="宋体" panose="02010600030101010101" pitchFamily="2" charset="-122"/>
+                <a:ea typeface="宋体" panose="02010600030101010101" pitchFamily="2" charset="-122"/>
+                <a:cs typeface="宋体" panose="02010600030101010101" pitchFamily="2" charset="-122"/>
+              </a:rPr>
+              <a:t>守护线程--也称“</a:t>
+            </a:r>
+            <a:r>
+              <a:rPr lang="zh-CN" altLang="en-US" sz="1600">
+                <a:solidFill>
+                  <a:srgbClr val="FF0000"/>
+                </a:solidFill>
+                <a:latin typeface="宋体" panose="02010600030101010101" pitchFamily="2" charset="-122"/>
+                <a:ea typeface="宋体" panose="02010600030101010101" pitchFamily="2" charset="-122"/>
+                <a:cs typeface="宋体" panose="02010600030101010101" pitchFamily="2" charset="-122"/>
+              </a:rPr>
+              <a:t>服务线程</a:t>
+            </a:r>
+            <a:r>
+              <a:rPr lang="zh-CN" altLang="en-US" sz="1600">
+                <a:latin typeface="宋体" panose="02010600030101010101" pitchFamily="2" charset="-122"/>
+                <a:ea typeface="宋体" panose="02010600030101010101" pitchFamily="2" charset="-122"/>
+                <a:cs typeface="宋体" panose="02010600030101010101" pitchFamily="2" charset="-122"/>
+              </a:rPr>
+              <a:t>”，在没有用户线程可服务时会自动离开。</a:t>
+            </a:r>
+            <a:endParaRPr lang="zh-CN" altLang="en-US" sz="1600">
+              <a:latin typeface="宋体" panose="02010600030101010101" pitchFamily="2" charset="-122"/>
+              <a:ea typeface="宋体" panose="02010600030101010101" pitchFamily="2" charset="-122"/>
+              <a:cs typeface="宋体" panose="02010600030101010101" pitchFamily="2" charset="-122"/>
+            </a:endParaRPr>
+          </a:p>
+        </p:txBody>
+      </p:sp>
     </p:spTree>
     <p:custDataLst>
       <p:tags r:id="rId2"/>
